--- a/deck/dms-workshop-sql.pptx
+++ b/deck/dms-workshop-sql.pptx
@@ -357,7 +357,7 @@
             <a:fld id="{0B25AC41-3BEC-9247-8322-91B80C013F2D}" type="datetimeFigureOut">
               <a:rPr lang="en-US" smtClean="0"/>
               <a:pPr/>
-              <a:t>10/24/17</a:t>
+              <a:t>10/26/17</a:t>
             </a:fld>
             <a:endParaRPr lang="en-US" dirty="0"/>
           </a:p>
@@ -4890,7 +4890,15 @@
                 <a:ea typeface="Amazon Ember Light" charset="0"/>
                 <a:cs typeface="Amazon Ember Light" charset="0"/>
               </a:rPr>
-              <a:t>Revised 2017.10.24</a:t>
+              <a:t>Revised </a:t>
+            </a:r>
+            <a:r>
+              <a:rPr lang="en-US" dirty="0" smtClean="0">
+                <a:latin typeface="Amazon Ember Light" charset="0"/>
+                <a:ea typeface="Amazon Ember Light" charset="0"/>
+                <a:cs typeface="Amazon Ember Light" charset="0"/>
+              </a:rPr>
+              <a:t>2017.10.26</a:t>
             </a:r>
             <a:endParaRPr lang="en-US" dirty="0">
               <a:latin typeface="Amazon Ember Light" charset="0"/>
@@ -5098,11 +5106,6 @@
               </a:rPr>
               <a:t> 2.0</a:t>
             </a:r>
-            <a:endParaRPr lang="en-US" dirty="0" smtClean="0">
-              <a:latin typeface="Amazon Ember Light" charset="0"/>
-              <a:ea typeface="Amazon Ember Light" charset="0"/>
-              <a:cs typeface="Amazon Ember Light" charset="0"/>
-            </a:endParaRPr>
           </a:p>
           <a:p>
             <a:pPr lvl="2"/>
@@ -5166,13 +5169,24 @@
                 <a:ea typeface="Amazon Ember Light" charset="0"/>
                 <a:cs typeface="Amazon Ember Light" charset="0"/>
               </a:rPr>
-              <a:t> Install AWS SCT, database tools locally</a:t>
-            </a:r>
-            <a:endParaRPr lang="en-US" dirty="0" smtClean="0">
-              <a:latin typeface="Amazon Ember Light" charset="0"/>
-              <a:ea typeface="Amazon Ember Light" charset="0"/>
-              <a:cs typeface="Amazon Ember Light" charset="0"/>
-            </a:endParaRPr>
+              <a:t> Install AWS SCT, </a:t>
+            </a:r>
+            <a:r>
+              <a:rPr lang="en-US" dirty="0" smtClean="0">
+                <a:latin typeface="Amazon Ember Light" charset="0"/>
+                <a:ea typeface="Amazon Ember Light" charset="0"/>
+                <a:cs typeface="Amazon Ember Light" charset="0"/>
+              </a:rPr>
+              <a:t>JDBC drivers and database </a:t>
+            </a:r>
+            <a:r>
+              <a:rPr lang="en-US" dirty="0" smtClean="0">
+                <a:latin typeface="Amazon Ember Light" charset="0"/>
+                <a:ea typeface="Amazon Ember Light" charset="0"/>
+                <a:cs typeface="Amazon Ember Light" charset="0"/>
+              </a:rPr>
+              <a:t>tools locally</a:t>
+            </a:r>
           </a:p>
         </p:txBody>
       </p:sp>
@@ -5367,11 +5381,6 @@
               </a:rPr>
               <a:t>Once completed, troubleshoot any migration errors</a:t>
             </a:r>
-            <a:endParaRPr lang="en-US" dirty="0" smtClean="0">
-              <a:latin typeface="Amazon Ember Light" charset="0"/>
-              <a:ea typeface="Amazon Ember Light" charset="0"/>
-              <a:cs typeface="Amazon Ember Light" charset="0"/>
-            </a:endParaRPr>
           </a:p>
         </p:txBody>
       </p:sp>
@@ -6059,11 +6068,6 @@
               </a:rPr>
               <a:t>Lab Activities</a:t>
             </a:r>
-            <a:endParaRPr lang="en-US" dirty="0" smtClean="0">
-              <a:latin typeface="Amazon Ember Light" charset="0"/>
-              <a:ea typeface="Amazon Ember Light" charset="0"/>
-              <a:cs typeface="Amazon Ember Light" charset="0"/>
-            </a:endParaRPr>
           </a:p>
         </p:txBody>
       </p:sp>
@@ -6768,21 +6772,8 @@
                 <a:ea typeface="Amazon Ember Light" charset="0"/>
                 <a:cs typeface="Amazon Ember Light" charset="0"/>
               </a:rPr>
-              <a:t>Name: </a:t>
-            </a:r>
-            <a:r>
-              <a:rPr lang="en-US" dirty="0" smtClean="0">
-                <a:latin typeface="Amazon Ember Light" charset="0"/>
-                <a:ea typeface="Amazon Ember Light" charset="0"/>
-                <a:cs typeface="Amazon Ember Light" charset="0"/>
-              </a:rPr>
-              <a:t>workshop</a:t>
-            </a:r>
-            <a:endParaRPr lang="en-US" dirty="0" smtClean="0">
-              <a:latin typeface="Amazon Ember Light" charset="0"/>
-              <a:ea typeface="Amazon Ember Light" charset="0"/>
-              <a:cs typeface="Amazon Ember Light" charset="0"/>
-            </a:endParaRPr>
+              <a:t>Name: workshop</a:t>
+            </a:r>
           </a:p>
           <a:p>
             <a:pPr marL="342900" indent="-342900">
@@ -6822,7 +6813,15 @@
                 <a:ea typeface="Amazon Ember Light" charset="0"/>
                 <a:cs typeface="Amazon Ember Light" charset="0"/>
               </a:rPr>
-              <a:t>Creates </a:t>
+              <a:t>Creates RDS </a:t>
+            </a:r>
+            <a:r>
+              <a:rPr lang="en-US" dirty="0" err="1" smtClean="0">
+                <a:latin typeface="Amazon Ember Light" charset="0"/>
+                <a:ea typeface="Amazon Ember Light" charset="0"/>
+                <a:cs typeface="Amazon Ember Light" charset="0"/>
+              </a:rPr>
+              <a:t>OracleDB</a:t>
             </a:r>
             <a:r>
               <a:rPr lang="en-US" dirty="0" smtClean="0">
@@ -6830,53 +6829,19 @@
                 <a:ea typeface="Amazon Ember Light" charset="0"/>
                 <a:cs typeface="Amazon Ember Light" charset="0"/>
               </a:rPr>
-              <a:t>RDS </a:t>
-            </a:r>
-            <a:r>
-              <a:rPr lang="en-US" dirty="0" err="1" smtClean="0">
-                <a:latin typeface="Amazon Ember Light" charset="0"/>
-                <a:ea typeface="Amazon Ember Light" charset="0"/>
-                <a:cs typeface="Amazon Ember Light" charset="0"/>
-              </a:rPr>
-              <a:t>OracleDB</a:t>
-            </a:r>
+              <a:t> source instance from snapshot</a:t>
+            </a:r>
+          </a:p>
+          <a:p>
+            <a:pPr lvl="1"/>
             <a:r>
               <a:rPr lang="en-US" dirty="0" smtClean="0">
                 <a:latin typeface="Amazon Ember Light" charset="0"/>
                 <a:ea typeface="Amazon Ember Light" charset="0"/>
                 <a:cs typeface="Amazon Ember Light" charset="0"/>
               </a:rPr>
-              <a:t> source instance from snapshot</a:t>
-            </a:r>
-            <a:endParaRPr lang="en-US" dirty="0" smtClean="0">
-              <a:latin typeface="Amazon Ember Light" charset="0"/>
-              <a:ea typeface="Amazon Ember Light" charset="0"/>
-              <a:cs typeface="Amazon Ember Light" charset="0"/>
-            </a:endParaRPr>
-          </a:p>
-          <a:p>
-            <a:pPr lvl="1"/>
-            <a:r>
-              <a:rPr lang="en-US" dirty="0" smtClean="0">
-                <a:latin typeface="Amazon Ember Light" charset="0"/>
-                <a:ea typeface="Amazon Ember Light" charset="0"/>
-                <a:cs typeface="Amazon Ember Light" charset="0"/>
-              </a:rPr>
-              <a:t>Provisions </a:t>
-            </a:r>
-            <a:r>
-              <a:rPr lang="en-US" dirty="0" smtClean="0">
-                <a:latin typeface="Amazon Ember Light" charset="0"/>
-                <a:ea typeface="Amazon Ember Light" charset="0"/>
-                <a:cs typeface="Amazon Ember Light" charset="0"/>
-              </a:rPr>
-              <a:t>an empty RDS PostgreSQL target</a:t>
-            </a:r>
-            <a:endParaRPr lang="en-US" dirty="0" smtClean="0">
-              <a:latin typeface="Amazon Ember Light" charset="0"/>
-              <a:ea typeface="Amazon Ember Light" charset="0"/>
-              <a:cs typeface="Amazon Ember Light" charset="0"/>
-            </a:endParaRPr>
+              <a:t>Provisions an empty RDS PostgreSQL target</a:t>
+            </a:r>
           </a:p>
           <a:p>
             <a:pPr marL="342900" indent="-342900">
@@ -6892,27 +6857,8 @@
                 <a:ea typeface="Amazon Ember Light" charset="0"/>
                 <a:cs typeface="Amazon Ember Light" charset="0"/>
               </a:rPr>
-              <a:t>Once launched, all resources will be provisioned in your account, immediately incurring </a:t>
-            </a:r>
-            <a:r>
-              <a:rPr lang="en-US" dirty="0" smtClean="0">
-                <a:solidFill>
-                  <a:schemeClr val="accent5"/>
-                </a:solidFill>
-                <a:latin typeface="Amazon Ember Light" charset="0"/>
-                <a:ea typeface="Amazon Ember Light" charset="0"/>
-                <a:cs typeface="Amazon Ember Light" charset="0"/>
-              </a:rPr>
-              <a:t>cost!</a:t>
-            </a:r>
-            <a:endParaRPr lang="en-US" dirty="0" smtClean="0">
-              <a:solidFill>
-                <a:schemeClr val="accent5"/>
-              </a:solidFill>
-              <a:latin typeface="Amazon Ember Light" charset="0"/>
-              <a:ea typeface="Amazon Ember Light" charset="0"/>
-              <a:cs typeface="Amazon Ember Light" charset="0"/>
-            </a:endParaRPr>
+              <a:t>Once launched, all resources will be provisioned in your account, immediately incurring cost!</a:t>
+            </a:r>
           </a:p>
         </p:txBody>
       </p:sp>

--- a/deck/dms-workshop-sql.pptx
+++ b/deck/dms-workshop-sql.pptx
@@ -357,7 +357,7 @@
             <a:fld id="{0B25AC41-3BEC-9247-8322-91B80C013F2D}" type="datetimeFigureOut">
               <a:rPr lang="en-US" smtClean="0"/>
               <a:pPr/>
-              <a:t>10/26/17</a:t>
+              <a:t>11/8/17</a:t>
             </a:fld>
             <a:endParaRPr lang="en-US" dirty="0"/>
           </a:p>
@@ -4890,15 +4890,7 @@
                 <a:ea typeface="Amazon Ember Light" charset="0"/>
                 <a:cs typeface="Amazon Ember Light" charset="0"/>
               </a:rPr>
-              <a:t>Revised </a:t>
-            </a:r>
-            <a:r>
-              <a:rPr lang="en-US" dirty="0" smtClean="0">
-                <a:latin typeface="Amazon Ember Light" charset="0"/>
-                <a:ea typeface="Amazon Ember Light" charset="0"/>
-                <a:cs typeface="Amazon Ember Light" charset="0"/>
-              </a:rPr>
-              <a:t>2017.10.26</a:t>
+              <a:t>Revised 2017.10.26</a:t>
             </a:r>
             <a:endParaRPr lang="en-US" dirty="0">
               <a:latin typeface="Amazon Ember Light" charset="0"/>
@@ -5169,23 +5161,7 @@
                 <a:ea typeface="Amazon Ember Light" charset="0"/>
                 <a:cs typeface="Amazon Ember Light" charset="0"/>
               </a:rPr>
-              <a:t> Install AWS SCT, </a:t>
-            </a:r>
-            <a:r>
-              <a:rPr lang="en-US" dirty="0" smtClean="0">
-                <a:latin typeface="Amazon Ember Light" charset="0"/>
-                <a:ea typeface="Amazon Ember Light" charset="0"/>
-                <a:cs typeface="Amazon Ember Light" charset="0"/>
-              </a:rPr>
-              <a:t>JDBC drivers and database </a:t>
-            </a:r>
-            <a:r>
-              <a:rPr lang="en-US" dirty="0" smtClean="0">
-                <a:latin typeface="Amazon Ember Light" charset="0"/>
-                <a:ea typeface="Amazon Ember Light" charset="0"/>
-                <a:cs typeface="Amazon Ember Light" charset="0"/>
-              </a:rPr>
-              <a:t>tools locally</a:t>
+              <a:t> Install AWS SCT, JDBC drivers and database tools locally</a:t>
             </a:r>
           </a:p>
         </p:txBody>
@@ -6588,7 +6564,31 @@
                 <a:ea typeface="Amazon Ember Light" charset="0"/>
                 <a:cs typeface="Amazon Ember Light" charset="0"/>
               </a:rPr>
-              <a:t>AWS DMS and AWS SCT offer support for Oracle DB as both source and </a:t>
+              <a:t>AWS DMS and AWS SCT offer support </a:t>
+            </a:r>
+            <a:r>
+              <a:rPr lang="en-US" sz="1800">
+                <a:latin typeface="Amazon Ember Light" charset="0"/>
+                <a:ea typeface="Amazon Ember Light" charset="0"/>
+                <a:cs typeface="Amazon Ember Light" charset="0"/>
+              </a:rPr>
+              <a:t>for </a:t>
+            </a:r>
+            <a:r>
+              <a:rPr lang="en-US" sz="1800" smtClean="0">
+                <a:latin typeface="Amazon Ember Light" charset="0"/>
+                <a:ea typeface="Amazon Ember Light" charset="0"/>
+                <a:cs typeface="Amazon Ember Light" charset="0"/>
+              </a:rPr>
+              <a:t>PostgreSQL </a:t>
+            </a:r>
+            <a:r>
+              <a:rPr lang="en-US" sz="1800" dirty="0">
+                <a:latin typeface="Amazon Ember Light" charset="0"/>
+                <a:ea typeface="Amazon Ember Light" charset="0"/>
+                <a:cs typeface="Amazon Ember Light" charset="0"/>
+              </a:rPr>
+              <a:t>DB as both source and </a:t>
             </a:r>
             <a:r>
               <a:rPr lang="en-US" sz="1800" dirty="0" smtClean="0">
